--- a/1-HLM dogasi.pptx
+++ b/1-HLM dogasi.pptx
@@ -315,14 +315,14 @@
           </a:ln>
           <a:extLst>
             <a:ext uri="{909E8E84-426E-40dd-AFC4-6F175D3DCCD1}">
-              <a14:hiddenFill xmlns:a14="http://schemas.microsoft.com/office/drawing/2010/main" xmlns="">
+              <a14:hiddenFill xmlns="" xmlns:a14="http://schemas.microsoft.com/office/drawing/2010/main">
                 <a:solidFill>
                   <a:schemeClr val="accent1"/>
                 </a:solidFill>
               </a14:hiddenFill>
             </a:ext>
             <a:ext uri="{91240B29-F687-4f45-9708-019B960494DF}">
-              <a14:hiddenLine xmlns:a14="http://schemas.microsoft.com/office/drawing/2010/main" xmlns="" w="9525">
+              <a14:hiddenLine xmlns="" xmlns:a14="http://schemas.microsoft.com/office/drawing/2010/main" w="9525">
                 <a:solidFill>
                   <a:schemeClr val="tx1"/>
                 </a:solidFill>
@@ -380,14 +380,14 @@
           </a:ln>
           <a:extLst>
             <a:ext uri="{909E8E84-426E-40dd-AFC4-6F175D3DCCD1}">
-              <a14:hiddenFill xmlns:a14="http://schemas.microsoft.com/office/drawing/2010/main" xmlns="">
+              <a14:hiddenFill xmlns="" xmlns:a14="http://schemas.microsoft.com/office/drawing/2010/main">
                 <a:solidFill>
                   <a:schemeClr val="accent1"/>
                 </a:solidFill>
               </a14:hiddenFill>
             </a:ext>
             <a:ext uri="{91240B29-F687-4f45-9708-019B960494DF}">
-              <a14:hiddenLine xmlns:a14="http://schemas.microsoft.com/office/drawing/2010/main" xmlns="" w="9525">
+              <a14:hiddenLine xmlns="" xmlns:a14="http://schemas.microsoft.com/office/drawing/2010/main" w="9525">
                 <a:solidFill>
                   <a:schemeClr val="tx1"/>
                 </a:solidFill>
@@ -445,14 +445,14 @@
           </a:ln>
           <a:extLst>
             <a:ext uri="{909E8E84-426E-40dd-AFC4-6F175D3DCCD1}">
-              <a14:hiddenFill xmlns:a14="http://schemas.microsoft.com/office/drawing/2010/main" xmlns="">
+              <a14:hiddenFill xmlns="" xmlns:a14="http://schemas.microsoft.com/office/drawing/2010/main">
                 <a:solidFill>
                   <a:schemeClr val="accent1"/>
                 </a:solidFill>
               </a14:hiddenFill>
             </a:ext>
             <a:ext uri="{91240B29-F687-4f45-9708-019B960494DF}">
-              <a14:hiddenLine xmlns:a14="http://schemas.microsoft.com/office/drawing/2010/main" xmlns="" w="9525">
+              <a14:hiddenLine xmlns="" xmlns:a14="http://schemas.microsoft.com/office/drawing/2010/main" w="9525">
                 <a:solidFill>
                   <a:schemeClr val="tx1"/>
                 </a:solidFill>
@@ -510,14 +510,14 @@
           </a:ln>
           <a:extLst>
             <a:ext uri="{909E8E84-426E-40dd-AFC4-6F175D3DCCD1}">
-              <a14:hiddenFill xmlns:a14="http://schemas.microsoft.com/office/drawing/2010/main" xmlns="">
+              <a14:hiddenFill xmlns="" xmlns:a14="http://schemas.microsoft.com/office/drawing/2010/main">
                 <a:solidFill>
                   <a:schemeClr val="accent1"/>
                 </a:solidFill>
               </a14:hiddenFill>
             </a:ext>
             <a:ext uri="{91240B29-F687-4f45-9708-019B960494DF}">
-              <a14:hiddenLine xmlns:a14="http://schemas.microsoft.com/office/drawing/2010/main" xmlns="" w="9525">
+              <a14:hiddenLine xmlns="" xmlns:a14="http://schemas.microsoft.com/office/drawing/2010/main" w="9525">
                 <a:solidFill>
                   <a:schemeClr val="tx1"/>
                 </a:solidFill>
@@ -4982,14 +4982,14 @@
           </a:ln>
           <a:extLst>
             <a:ext uri="{909E8E84-426E-40dd-AFC4-6F175D3DCCD1}">
-              <a14:hiddenFill xmlns:a14="http://schemas.microsoft.com/office/drawing/2010/main" xmlns="">
+              <a14:hiddenFill xmlns="" xmlns:a14="http://schemas.microsoft.com/office/drawing/2010/main">
                 <a:solidFill>
                   <a:schemeClr val="accent1"/>
                 </a:solidFill>
               </a14:hiddenFill>
             </a:ext>
             <a:ext uri="{91240B29-F687-4f45-9708-019B960494DF}">
-              <a14:hiddenLine xmlns:a14="http://schemas.microsoft.com/office/drawing/2010/main" xmlns="" w="9525">
+              <a14:hiddenLine xmlns="" xmlns:a14="http://schemas.microsoft.com/office/drawing/2010/main" w="9525">
                 <a:solidFill>
                   <a:schemeClr val="tx1"/>
                 </a:solidFill>
@@ -5047,14 +5047,14 @@
           </a:ln>
           <a:extLst>
             <a:ext uri="{909E8E84-426E-40dd-AFC4-6F175D3DCCD1}">
-              <a14:hiddenFill xmlns:a14="http://schemas.microsoft.com/office/drawing/2010/main" xmlns="">
+              <a14:hiddenFill xmlns="" xmlns:a14="http://schemas.microsoft.com/office/drawing/2010/main">
                 <a:solidFill>
                   <a:schemeClr val="accent1"/>
                 </a:solidFill>
               </a14:hiddenFill>
             </a:ext>
             <a:ext uri="{91240B29-F687-4f45-9708-019B960494DF}">
-              <a14:hiddenLine xmlns:a14="http://schemas.microsoft.com/office/drawing/2010/main" xmlns="" w="9525">
+              <a14:hiddenLine xmlns="" xmlns:a14="http://schemas.microsoft.com/office/drawing/2010/main" w="9525">
                 <a:solidFill>
                   <a:schemeClr val="tx1"/>
                 </a:solidFill>
@@ -5118,14 +5118,14 @@
           <a:effectLst/>
           <a:extLst>
             <a:ext uri="{909E8E84-426E-40dd-AFC4-6F175D3DCCD1}">
-              <a14:hiddenFill xmlns:a14="http://schemas.microsoft.com/office/drawing/2010/main" xmlns="">
+              <a14:hiddenFill xmlns="" xmlns:a14="http://schemas.microsoft.com/office/drawing/2010/main">
                 <a:solidFill>
                   <a:srgbClr val="FFFFFF"/>
                 </a:solidFill>
               </a14:hiddenFill>
             </a:ext>
             <a:ext uri="{AF507438-7753-43e0-B8FC-AC1667EBCBE1}">
-              <a14:hiddenEffects xmlns:a14="http://schemas.microsoft.com/office/drawing/2010/main" xmlns="">
+              <a14:hiddenEffects xmlns="" xmlns:a14="http://schemas.microsoft.com/office/drawing/2010/main">
                 <a:effectLst>
                   <a:outerShdw blurRad="63500" dist="38099" dir="2700000" algn="ctr" rotWithShape="0">
                     <a:srgbClr val="000000">
@@ -5136,10 +5136,10 @@
               </a14:hiddenEffects>
             </a:ext>
             <a:ext uri="{53640926-AAD7-44d8-BBD7-CCE9431645EC}">
-              <a14:shadowObscured xmlns:a14="http://schemas.microsoft.com/office/drawing/2010/main" xmlns="" val="1"/>
+              <a14:shadowObscured xmlns="" xmlns:a14="http://schemas.microsoft.com/office/drawing/2010/main" val="1"/>
             </a:ext>
             <a:ext uri="{FAA26D3D-D897-4be2-8F04-BA451C77F1D7}">
-              <ma14:placeholderFlag xmlns:ma14="http://schemas.microsoft.com/office/mac/drawingml/2011/main" xmlns="" val="1"/>
+              <ma14:placeholderFlag xmlns="" xmlns:ma14="http://schemas.microsoft.com/office/mac/drawingml/2011/main" val="1"/>
             </a:ext>
           </a:extLst>
         </p:spPr>
@@ -5168,14 +5168,14 @@
           </a:ln>
           <a:extLst>
             <a:ext uri="{909E8E84-426E-40dd-AFC4-6F175D3DCCD1}">
-              <a14:hiddenFill xmlns:a14="http://schemas.microsoft.com/office/drawing/2010/main" xmlns="">
+              <a14:hiddenFill xmlns="" xmlns:a14="http://schemas.microsoft.com/office/drawing/2010/main">
                 <a:solidFill>
                   <a:schemeClr val="accent1"/>
                 </a:solidFill>
               </a14:hiddenFill>
             </a:ext>
             <a:ext uri="{91240B29-F687-4f45-9708-019B960494DF}">
-              <a14:hiddenLine xmlns:a14="http://schemas.microsoft.com/office/drawing/2010/main" xmlns="" w="9525">
+              <a14:hiddenLine xmlns="" xmlns:a14="http://schemas.microsoft.com/office/drawing/2010/main" w="9525">
                 <a:solidFill>
                   <a:schemeClr val="tx1"/>
                 </a:solidFill>
@@ -5254,14 +5254,14 @@
           </a:ln>
           <a:extLst>
             <a:ext uri="{909E8E84-426E-40dd-AFC4-6F175D3DCCD1}">
-              <a14:hiddenFill xmlns:a14="http://schemas.microsoft.com/office/drawing/2010/main" xmlns="">
+              <a14:hiddenFill xmlns="" xmlns:a14="http://schemas.microsoft.com/office/drawing/2010/main">
                 <a:solidFill>
                   <a:schemeClr val="accent1"/>
                 </a:solidFill>
               </a14:hiddenFill>
             </a:ext>
             <a:ext uri="{91240B29-F687-4f45-9708-019B960494DF}">
-              <a14:hiddenLine xmlns:a14="http://schemas.microsoft.com/office/drawing/2010/main" xmlns="" w="9525">
+              <a14:hiddenLine xmlns="" xmlns:a14="http://schemas.microsoft.com/office/drawing/2010/main" w="9525">
                 <a:solidFill>
                   <a:schemeClr val="tx1"/>
                 </a:solidFill>
@@ -5319,14 +5319,14 @@
           </a:ln>
           <a:extLst>
             <a:ext uri="{909E8E84-426E-40dd-AFC4-6F175D3DCCD1}">
-              <a14:hiddenFill xmlns:a14="http://schemas.microsoft.com/office/drawing/2010/main" xmlns="">
+              <a14:hiddenFill xmlns="" xmlns:a14="http://schemas.microsoft.com/office/drawing/2010/main">
                 <a:solidFill>
                   <a:schemeClr val="accent1"/>
                 </a:solidFill>
               </a14:hiddenFill>
             </a:ext>
             <a:ext uri="{91240B29-F687-4f45-9708-019B960494DF}">
-              <a14:hiddenLine xmlns:a14="http://schemas.microsoft.com/office/drawing/2010/main" xmlns="" w="9525">
+              <a14:hiddenLine xmlns="" xmlns:a14="http://schemas.microsoft.com/office/drawing/2010/main" w="9525">
                 <a:solidFill>
                   <a:schemeClr val="tx1"/>
                 </a:solidFill>
@@ -10532,7 +10532,7 @@
           </a:ln>
           <a:extLst>
             <a:ext uri="{91240B29-F687-4f45-9708-019B960494DF}">
-              <a14:hiddenLine xmlns:a14="http://schemas.microsoft.com/office/drawing/2010/main" xmlns="" w="9525">
+              <a14:hiddenLine xmlns="" xmlns:a14="http://schemas.microsoft.com/office/drawing/2010/main" w="9525">
                 <a:solidFill>
                   <a:schemeClr val="tx1"/>
                 </a:solidFill>
@@ -10689,7 +10689,7 @@
           </a:ln>
           <a:extLst>
             <a:ext uri="{909E8E84-426E-40dd-AFC4-6F175D3DCCD1}">
-              <a14:hiddenFill xmlns:a14="http://schemas.microsoft.com/office/drawing/2010/main" xmlns="">
+              <a14:hiddenFill xmlns="" xmlns:a14="http://schemas.microsoft.com/office/drawing/2010/main">
                 <a:noFill/>
               </a14:hiddenFill>
             </a:ext>
@@ -10730,7 +10730,7 @@
           </a:ln>
           <a:extLst>
             <a:ext uri="{909E8E84-426E-40dd-AFC4-6F175D3DCCD1}">
-              <a14:hiddenFill xmlns:a14="http://schemas.microsoft.com/office/drawing/2010/main" xmlns="">
+              <a14:hiddenFill xmlns="" xmlns:a14="http://schemas.microsoft.com/office/drawing/2010/main">
                 <a:noFill/>
               </a14:hiddenFill>
             </a:ext>
@@ -10950,7 +10950,7 @@
               <a:pPr>
                 <a:defRPr/>
               </a:pPr>
-              <a:t>May 26, 2021</a:t>
+              <a:t>May 28, 2021</a:t>
             </a:fld>
             <a:endParaRPr lang="en-US" sz="1400" i="1"/>
           </a:p>
@@ -11130,7 +11130,7 @@
               <a:pPr>
                 <a:defRPr/>
               </a:pPr>
-              <a:t>May 26, 2021</a:t>
+              <a:t>May 28, 2021</a:t>
             </a:fld>
             <a:endParaRPr lang="en-US" sz="1400" i="1"/>
           </a:p>
@@ -11300,7 +11300,7 @@
               <a:pPr>
                 <a:defRPr/>
               </a:pPr>
-              <a:t>May 26, 2021</a:t>
+              <a:t>May 28, 2021</a:t>
             </a:fld>
             <a:endParaRPr lang="en-US" sz="1400" i="1"/>
           </a:p>
@@ -11493,7 +11493,7 @@
               <a:pPr>
                 <a:defRPr/>
               </a:pPr>
-              <a:t>May 26, 2021</a:t>
+              <a:t>May 28, 2021</a:t>
             </a:fld>
             <a:endParaRPr lang="en-US" sz="1400" i="1"/>
           </a:p>
@@ -11780,7 +11780,7 @@
               <a:pPr>
                 <a:defRPr/>
               </a:pPr>
-              <a:t>May 26, 2021</a:t>
+              <a:t>May 28, 2021</a:t>
             </a:fld>
             <a:endParaRPr lang="en-US" sz="1400" i="1"/>
           </a:p>
@@ -12206,7 +12206,7 @@
               <a:pPr>
                 <a:defRPr/>
               </a:pPr>
-              <a:t>May 26, 2021</a:t>
+              <a:t>May 28, 2021</a:t>
             </a:fld>
             <a:endParaRPr lang="en-US" sz="1400" i="1"/>
           </a:p>
@@ -12325,7 +12325,7 @@
               <a:pPr>
                 <a:defRPr/>
               </a:pPr>
-              <a:t>May 26, 2021</a:t>
+              <a:t>May 28, 2021</a:t>
             </a:fld>
             <a:endParaRPr lang="en-US" sz="1400" i="1"/>
           </a:p>
@@ -12422,7 +12422,7 @@
               <a:pPr>
                 <a:defRPr/>
               </a:pPr>
-              <a:t>May 26, 2021</a:t>
+              <a:t>May 28, 2021</a:t>
             </a:fld>
             <a:endParaRPr lang="en-US" sz="1400" i="1"/>
           </a:p>
@@ -12699,7 +12699,7 @@
               <a:pPr>
                 <a:defRPr/>
               </a:pPr>
-              <a:t>May 26, 2021</a:t>
+              <a:t>May 28, 2021</a:t>
             </a:fld>
             <a:endParaRPr lang="en-US" sz="1400" i="1"/>
           </a:p>
@@ -12954,7 +12954,7 @@
               <a:pPr>
                 <a:defRPr/>
               </a:pPr>
-              <a:t>May 26, 2021</a:t>
+              <a:t>May 28, 2021</a:t>
             </a:fld>
             <a:endParaRPr lang="en-US" sz="1400" i="1"/>
           </a:p>
@@ -13054,7 +13054,7 @@
           </a:ln>
           <a:extLst>
             <a:ext uri="{91240B29-F687-4f45-9708-019B960494DF}">
-              <a14:hiddenLine xmlns:a14="http://schemas.microsoft.com/office/drawing/2010/main" xmlns="" w="9525">
+              <a14:hiddenLine xmlns="" xmlns:a14="http://schemas.microsoft.com/office/drawing/2010/main" w="9525">
                 <a:solidFill>
                   <a:schemeClr val="tx1"/>
                 </a:solidFill>
@@ -13208,14 +13208,14 @@
           </a:ln>
           <a:extLst>
             <a:ext uri="{909E8E84-426E-40dd-AFC4-6F175D3DCCD1}">
-              <a14:hiddenFill xmlns:a14="http://schemas.microsoft.com/office/drawing/2010/main" xmlns="">
+              <a14:hiddenFill xmlns="" xmlns:a14="http://schemas.microsoft.com/office/drawing/2010/main">
                 <a:solidFill>
                   <a:schemeClr val="accent1"/>
                 </a:solidFill>
               </a14:hiddenFill>
             </a:ext>
             <a:ext uri="{91240B29-F687-4f45-9708-019B960494DF}">
-              <a14:hiddenLine xmlns:a14="http://schemas.microsoft.com/office/drawing/2010/main" xmlns="" w="9525">
+              <a14:hiddenLine xmlns="" xmlns:a14="http://schemas.microsoft.com/office/drawing/2010/main" w="9525">
                 <a:solidFill>
                   <a:schemeClr val="tx1"/>
                 </a:solidFill>
@@ -13225,7 +13225,7 @@
               </a14:hiddenLine>
             </a:ext>
             <a:ext uri="{FAA26D3D-D897-4be2-8F04-BA451C77F1D7}">
-              <ma14:placeholderFlag xmlns:ma14="http://schemas.microsoft.com/office/mac/drawingml/2011/main" xmlns="" val="1"/>
+              <ma14:placeholderFlag xmlns="" xmlns:ma14="http://schemas.microsoft.com/office/mac/drawingml/2011/main" val="1"/>
             </a:ext>
           </a:extLst>
         </p:spPr>
@@ -13269,14 +13269,14 @@
           </a:ln>
           <a:extLst>
             <a:ext uri="{909E8E84-426E-40dd-AFC4-6F175D3DCCD1}">
-              <a14:hiddenFill xmlns:a14="http://schemas.microsoft.com/office/drawing/2010/main" xmlns="">
+              <a14:hiddenFill xmlns="" xmlns:a14="http://schemas.microsoft.com/office/drawing/2010/main">
                 <a:solidFill>
                   <a:schemeClr val="accent1"/>
                 </a:solidFill>
               </a14:hiddenFill>
             </a:ext>
             <a:ext uri="{91240B29-F687-4f45-9708-019B960494DF}">
-              <a14:hiddenLine xmlns:a14="http://schemas.microsoft.com/office/drawing/2010/main" xmlns="" w="9525">
+              <a14:hiddenLine xmlns="" xmlns:a14="http://schemas.microsoft.com/office/drawing/2010/main" w="9525">
                 <a:solidFill>
                   <a:schemeClr val="tx1"/>
                 </a:solidFill>
@@ -13286,7 +13286,7 @@
               </a14:hiddenLine>
             </a:ext>
             <a:ext uri="{FAA26D3D-D897-4be2-8F04-BA451C77F1D7}">
-              <ma14:placeholderFlag xmlns:ma14="http://schemas.microsoft.com/office/mac/drawingml/2011/main" xmlns="" val="1"/>
+              <ma14:placeholderFlag xmlns="" xmlns:ma14="http://schemas.microsoft.com/office/mac/drawingml/2011/main" val="1"/>
             </a:ext>
           </a:extLst>
         </p:spPr>
@@ -13358,14 +13358,14 @@
           </a:ln>
           <a:extLst>
             <a:ext uri="{909E8E84-426E-40dd-AFC4-6F175D3DCCD1}">
-              <a14:hiddenFill xmlns:a14="http://schemas.microsoft.com/office/drawing/2010/main" xmlns="">
+              <a14:hiddenFill xmlns="" xmlns:a14="http://schemas.microsoft.com/office/drawing/2010/main">
                 <a:solidFill>
                   <a:schemeClr val="accent1"/>
                 </a:solidFill>
               </a14:hiddenFill>
             </a:ext>
             <a:ext uri="{91240B29-F687-4f45-9708-019B960494DF}">
-              <a14:hiddenLine xmlns:a14="http://schemas.microsoft.com/office/drawing/2010/main" xmlns="" w="9525">
+              <a14:hiddenLine xmlns="" xmlns:a14="http://schemas.microsoft.com/office/drawing/2010/main" w="9525">
                 <a:solidFill>
                   <a:schemeClr val="tx1"/>
                 </a:solidFill>
@@ -13396,7 +13396,7 @@
               <a:pPr>
                 <a:defRPr/>
               </a:pPr>
-              <a:t>May 26, 2021</a:t>
+              <a:t>May 28, 2021</a:t>
             </a:fld>
             <a:endParaRPr lang="en-US" sz="1400" i="1"/>
           </a:p>
@@ -13426,14 +13426,14 @@
           </a:ln>
           <a:extLst>
             <a:ext uri="{909E8E84-426E-40dd-AFC4-6F175D3DCCD1}">
-              <a14:hiddenFill xmlns:a14="http://schemas.microsoft.com/office/drawing/2010/main" xmlns="">
+              <a14:hiddenFill xmlns="" xmlns:a14="http://schemas.microsoft.com/office/drawing/2010/main">
                 <a:solidFill>
                   <a:schemeClr val="accent1"/>
                 </a:solidFill>
               </a14:hiddenFill>
             </a:ext>
             <a:ext uri="{91240B29-F687-4f45-9708-019B960494DF}">
-              <a14:hiddenLine xmlns:a14="http://schemas.microsoft.com/office/drawing/2010/main" xmlns="" w="9525">
+              <a14:hiddenLine xmlns="" xmlns:a14="http://schemas.microsoft.com/office/drawing/2010/main" w="9525">
                 <a:solidFill>
                   <a:schemeClr val="tx1"/>
                 </a:solidFill>
@@ -13498,7 +13498,7 @@
           </a:ln>
           <a:extLst>
             <a:ext uri="{909E8E84-426E-40dd-AFC4-6F175D3DCCD1}">
-              <a14:hiddenFill xmlns:a14="http://schemas.microsoft.com/office/drawing/2010/main" xmlns="">
+              <a14:hiddenFill xmlns="" xmlns:a14="http://schemas.microsoft.com/office/drawing/2010/main">
                 <a:noFill/>
               </a14:hiddenFill>
             </a:ext>
@@ -13539,7 +13539,7 @@
           </a:ln>
           <a:extLst>
             <a:ext uri="{909E8E84-426E-40dd-AFC4-6F175D3DCCD1}">
-              <a14:hiddenFill xmlns:a14="http://schemas.microsoft.com/office/drawing/2010/main" xmlns="">
+              <a14:hiddenFill xmlns="" xmlns:a14="http://schemas.microsoft.com/office/drawing/2010/main">
                 <a:noFill/>
               </a14:hiddenFill>
             </a:ext>
@@ -13588,14 +13588,14 @@
           </a:ln>
           <a:extLst>
             <a:ext uri="{909E8E84-426E-40dd-AFC4-6F175D3DCCD1}">
-              <a14:hiddenFill xmlns:a14="http://schemas.microsoft.com/office/drawing/2010/main" xmlns="">
+              <a14:hiddenFill xmlns="" xmlns:a14="http://schemas.microsoft.com/office/drawing/2010/main">
                 <a:solidFill>
                   <a:srgbClr val="FFFFFF"/>
                 </a:solidFill>
               </a14:hiddenFill>
             </a:ext>
             <a:ext uri="{91240B29-F687-4f45-9708-019B960494DF}">
-              <a14:hiddenLine xmlns:a14="http://schemas.microsoft.com/office/drawing/2010/main" xmlns="" w="9525">
+              <a14:hiddenLine xmlns="" xmlns:a14="http://schemas.microsoft.com/office/drawing/2010/main" w="9525">
                 <a:solidFill>
                   <a:srgbClr val="000000"/>
                 </a:solidFill>
@@ -14087,14 +14087,14 @@
           </a:ln>
           <a:extLst>
             <a:ext uri="{909E8E84-426E-40dd-AFC4-6F175D3DCCD1}">
-              <a14:hiddenFill xmlns:a14="http://schemas.microsoft.com/office/drawing/2010/main" xmlns="">
+              <a14:hiddenFill xmlns="" xmlns:a14="http://schemas.microsoft.com/office/drawing/2010/main">
                 <a:solidFill>
                   <a:schemeClr val="accent1"/>
                 </a:solidFill>
               </a14:hiddenFill>
             </a:ext>
             <a:ext uri="{91240B29-F687-4f45-9708-019B960494DF}">
-              <a14:hiddenLine xmlns:a14="http://schemas.microsoft.com/office/drawing/2010/main" xmlns="" w="9525">
+              <a14:hiddenLine xmlns="" xmlns:a14="http://schemas.microsoft.com/office/drawing/2010/main" w="9525">
                 <a:solidFill>
                   <a:schemeClr val="tx1"/>
                 </a:solidFill>
@@ -14681,7 +14681,7 @@
               <a:t>2</a:t>
             </a:r>
             <a:r>
-              <a:rPr lang="en-US" sz="1600" dirty="0">
+              <a:rPr lang="en-US" sz="1600" dirty="0" smtClean="0">
                 <a:latin typeface="Times New Roman"/>
                 <a:ea typeface="Calibri"/>
                 <a:cs typeface="Times New Roman"/>
@@ -14689,7 +14689,7 @@
               <a:t>*</a:t>
             </a:r>
             <a:r>
-              <a:rPr lang="en-US" sz="1600" dirty="0" err="1">
+              <a:rPr lang="en-US" sz="1600" dirty="0" err="1" smtClean="0">
                 <a:latin typeface="Times New Roman"/>
                 <a:ea typeface="Calibri"/>
                 <a:cs typeface="Times New Roman"/>
@@ -14697,15 +14697,7 @@
               <a:t>X</a:t>
             </a:r>
             <a:r>
-              <a:rPr lang="en-US" sz="1600" baseline="-25000" dirty="0" err="1">
-                <a:latin typeface="Times New Roman"/>
-                <a:ea typeface="Calibri"/>
-                <a:cs typeface="Times New Roman"/>
-              </a:rPr>
-              <a:t>i</a:t>
-            </a:r>
-            <a:r>
-              <a:rPr lang="en-US" sz="1600" baseline="-25000" dirty="0" err="1">
+              <a:rPr lang="en-US" sz="1600" baseline="-25000" dirty="0" err="1" smtClean="0">
                 <a:solidFill>
                   <a:srgbClr val="FF0000"/>
                 </a:solidFill>
@@ -14716,7 +14708,7 @@
               <a:t>j</a:t>
             </a:r>
             <a:r>
-              <a:rPr lang="en-US" sz="1600" dirty="0">
+              <a:rPr lang="en-US" sz="1600" dirty="0" smtClean="0">
                 <a:latin typeface="Times New Roman"/>
                 <a:ea typeface="Calibri"/>
                 <a:cs typeface="Times New Roman"/>
@@ -14798,7 +14790,133 @@
           </a:p>
           <a:p>
             <a:pPr marL="360363" indent="-349250" eaLnBrk="1" hangingPunct="1"/>
-            <a:endParaRPr lang="tr-TR" sz="1600" b="1" dirty="0">
+            <a:endParaRPr lang="tr-TR" sz="1600" b="1" dirty="0" smtClean="0">
+              <a:latin typeface="Palatino Linotype" panose="02040502050505030304" pitchFamily="18" charset="0"/>
+              <a:ea typeface="ＭＳ Ｐゴシック" charset="0"/>
+            </a:endParaRPr>
+          </a:p>
+          <a:p>
+            <a:pPr marL="360363" indent="-349250" eaLnBrk="1" hangingPunct="1"/>
+            <a:r>
+              <a:rPr lang="tr-TR" sz="1600" dirty="0" smtClean="0">
+                <a:latin typeface="Palatino Linotype" panose="02040502050505030304" pitchFamily="18" charset="0"/>
+                <a:ea typeface="ＭＳ Ｐゴシック" charset="0"/>
+              </a:rPr>
+              <a:t>Burada </a:t>
+            </a:r>
+            <a:r>
+              <a:rPr lang="en-US" sz="1600" dirty="0" err="1">
+                <a:latin typeface="Times New Roman"/>
+                <a:ea typeface="Calibri"/>
+                <a:cs typeface="Times New Roman"/>
+              </a:rPr>
+              <a:t>X</a:t>
+            </a:r>
+            <a:r>
+              <a:rPr lang="en-US" sz="1600" baseline="-25000" dirty="0" err="1">
+                <a:latin typeface="Times New Roman"/>
+                <a:ea typeface="Calibri"/>
+                <a:cs typeface="Times New Roman"/>
+              </a:rPr>
+              <a:t>i</a:t>
+            </a:r>
+            <a:r>
+              <a:rPr lang="en-US" sz="1600" baseline="-25000" dirty="0" err="1">
+                <a:solidFill>
+                  <a:srgbClr val="FF0000"/>
+                </a:solidFill>
+                <a:latin typeface="Times New Roman"/>
+                <a:ea typeface="Calibri"/>
+                <a:cs typeface="Times New Roman"/>
+              </a:rPr>
+              <a:t>j</a:t>
+            </a:r>
+            <a:r>
+              <a:rPr lang="tr-TR" sz="1600" dirty="0" smtClean="0">
+                <a:latin typeface="Palatino Linotype" panose="02040502050505030304" pitchFamily="18" charset="0"/>
+                <a:ea typeface="ＭＳ Ｐゴシック" charset="0"/>
+              </a:rPr>
+              <a:t> değişkeni 1. seviye değişken iken, </a:t>
+            </a:r>
+            <a:r>
+              <a:rPr lang="en-US" sz="1600" dirty="0" err="1" smtClean="0">
+                <a:latin typeface="Times New Roman"/>
+                <a:ea typeface="Calibri"/>
+                <a:cs typeface="Times New Roman"/>
+              </a:rPr>
+              <a:t>X</a:t>
+            </a:r>
+            <a:r>
+              <a:rPr lang="en-US" sz="1600" baseline="-25000" dirty="0" err="1" smtClean="0">
+                <a:solidFill>
+                  <a:srgbClr val="FF0000"/>
+                </a:solidFill>
+                <a:latin typeface="Times New Roman"/>
+                <a:ea typeface="Calibri"/>
+                <a:cs typeface="Times New Roman"/>
+              </a:rPr>
+              <a:t>j</a:t>
+            </a:r>
+            <a:r>
+              <a:rPr lang="tr-TR" sz="1600" dirty="0" smtClean="0">
+                <a:latin typeface="Times New Roman"/>
+                <a:ea typeface="ＭＳ Ｐゴシック" charset="0"/>
+                <a:cs typeface="Times New Roman"/>
+              </a:rPr>
+              <a:t> değişkeni ise 2. seviye bir değişkendir.</a:t>
+            </a:r>
+          </a:p>
+          <a:p>
+            <a:pPr marL="360363" indent="-349250" eaLnBrk="1" hangingPunct="1"/>
+            <a:r>
+              <a:rPr lang="tr-TR" sz="1600" dirty="0" smtClean="0">
+                <a:latin typeface="Times New Roman"/>
+                <a:ea typeface="ＭＳ Ｐゴシック" charset="0"/>
+                <a:cs typeface="Times New Roman"/>
+              </a:rPr>
+              <a:t>Dikkat edilecek olursa, artık sadece tek bir </a:t>
+            </a:r>
+            <a:r>
+              <a:rPr lang="tr-TR" sz="1600" dirty="0" err="1" smtClean="0">
+                <a:latin typeface="Times New Roman"/>
+                <a:ea typeface="ＭＳ Ｐゴシック" charset="0"/>
+                <a:cs typeface="Times New Roman"/>
+              </a:rPr>
+              <a:t>residual</a:t>
+            </a:r>
+            <a:r>
+              <a:rPr lang="tr-TR" sz="1600" dirty="0" smtClean="0">
+                <a:latin typeface="Times New Roman"/>
+                <a:ea typeface="ＭＳ Ｐゴシック" charset="0"/>
+                <a:cs typeface="Times New Roman"/>
+              </a:rPr>
+              <a:t> değerimiz yoktur. Hem 1. seviye hem de 2. seviye </a:t>
+            </a:r>
+            <a:r>
+              <a:rPr lang="tr-TR" sz="1600" dirty="0" err="1" smtClean="0">
+                <a:latin typeface="Times New Roman"/>
+                <a:ea typeface="ＭＳ Ｐゴシック" charset="0"/>
+                <a:cs typeface="Times New Roman"/>
+              </a:rPr>
+              <a:t>res</a:t>
+            </a:r>
+            <a:r>
+              <a:rPr lang="tr-TR" sz="1600" dirty="0" err="1" smtClean="0">
+                <a:latin typeface="Times New Roman"/>
+                <a:ea typeface="ＭＳ Ｐゴシック" charset="0"/>
+                <a:cs typeface="Times New Roman"/>
+              </a:rPr>
+              <a:t>idual</a:t>
+            </a:r>
+            <a:r>
+              <a:rPr lang="tr-TR" sz="1600" dirty="0" smtClean="0">
+                <a:latin typeface="Times New Roman"/>
+                <a:ea typeface="ＭＳ Ｐゴシック" charset="0"/>
+                <a:cs typeface="Times New Roman"/>
+              </a:rPr>
+              <a:t> değerlerimiz oluşmuştur. </a:t>
+            </a:r>
+            <a:endParaRPr lang="tr-TR" sz="1600" dirty="0">
               <a:latin typeface="Palatino Linotype" panose="02040502050505030304" pitchFamily="18" charset="0"/>
               <a:ea typeface="ＭＳ Ｐゴシック" charset="0"/>
             </a:endParaRPr>
@@ -15570,6 +15688,38 @@
               </a:rPr>
               <a:t>. </a:t>
             </a:r>
+            <a:endParaRPr lang="en-US" sz="1600" dirty="0" smtClean="0">
+              <a:latin typeface="Palatino Linotype" panose="02040502050505030304" pitchFamily="18" charset="0"/>
+              <a:ea typeface="ＭＳ Ｐゴシック" charset="0"/>
+            </a:endParaRPr>
+          </a:p>
+          <a:p>
+            <a:pPr marL="360363" indent="-349250" eaLnBrk="1" hangingPunct="1"/>
+            <a:r>
+              <a:rPr lang="en-US" sz="1600" dirty="0" smtClean="0">
+                <a:latin typeface="Palatino Linotype" panose="02040502050505030304" pitchFamily="18" charset="0"/>
+                <a:ea typeface="ＭＳ Ｐゴシック" charset="0"/>
+              </a:rPr>
+              <a:t>B</a:t>
+            </a:r>
+            <a:r>
+              <a:rPr lang="tr-TR" sz="1600" dirty="0" err="1" smtClean="0">
+                <a:latin typeface="Palatino Linotype" panose="02040502050505030304" pitchFamily="18" charset="0"/>
+                <a:ea typeface="ＭＳ Ｐゴシック" charset="0"/>
+              </a:rPr>
+              <a:t>irçok</a:t>
+            </a:r>
+            <a:r>
+              <a:rPr lang="tr-TR" sz="1600" dirty="0" smtClean="0">
+                <a:latin typeface="Palatino Linotype" panose="02040502050505030304" pitchFamily="18" charset="0"/>
+                <a:ea typeface="ＭＳ Ｐゴシック" charset="0"/>
+              </a:rPr>
+              <a:t> alanda çok  </a:t>
+            </a:r>
+            <a:endParaRPr lang="en-US" sz="1600" dirty="0">
+              <a:latin typeface="Palatino Linotype" panose="02040502050505030304" pitchFamily="18" charset="0"/>
+              <a:ea typeface="ＭＳ Ｐゴシック" charset="0"/>
+            </a:endParaRPr>
           </a:p>
           <a:p>
             <a:pPr marL="360363" indent="-349250" eaLnBrk="1" hangingPunct="1"/>
@@ -24655,7 +24805,7 @@
           <a:effectLst/>
           <a:extLst>
             <a:ext uri="{AF507438-7753-43e0-B8FC-AC1667EBCBE1}">
-              <a14:hiddenEffects xmlns:a14="http://schemas.microsoft.com/office/drawing/2010/main" xmlns="">
+              <a14:hiddenEffects xmlns="" xmlns:a14="http://schemas.microsoft.com/office/drawing/2010/main">
                 <a:effectLst>
                   <a:outerShdw dist="35921" dir="2700000" algn="ctr" rotWithShape="0">
                     <a:schemeClr val="bg2"/>
@@ -24695,7 +24845,7 @@
           <a:effectLst/>
           <a:extLst>
             <a:ext uri="{AF507438-7753-43e0-B8FC-AC1667EBCBE1}">
-              <a14:hiddenEffects xmlns:a14="http://schemas.microsoft.com/office/drawing/2010/main" xmlns="">
+              <a14:hiddenEffects xmlns="" xmlns:a14="http://schemas.microsoft.com/office/drawing/2010/main">
                 <a:effectLst>
                   <a:outerShdw dist="35921" dir="2700000" algn="ctr" rotWithShape="0">
                     <a:schemeClr val="bg2"/>
@@ -24735,7 +24885,7 @@
           <a:effectLst/>
           <a:extLst>
             <a:ext uri="{AF507438-7753-43e0-B8FC-AC1667EBCBE1}">
-              <a14:hiddenEffects xmlns:a14="http://schemas.microsoft.com/office/drawing/2010/main" xmlns="">
+              <a14:hiddenEffects xmlns="" xmlns:a14="http://schemas.microsoft.com/office/drawing/2010/main">
                 <a:effectLst>
                   <a:outerShdw dist="35921" dir="2700000" algn="ctr" rotWithShape="0">
                     <a:schemeClr val="bg2"/>
@@ -39557,7 +39707,7 @@
           <a:effectLst/>
           <a:extLst>
             <a:ext uri="{AF507438-7753-43e0-B8FC-AC1667EBCBE1}">
-              <a14:hiddenEffects xmlns:a14="http://schemas.microsoft.com/office/drawing/2010/main" xmlns="">
+              <a14:hiddenEffects xmlns="" xmlns:a14="http://schemas.microsoft.com/office/drawing/2010/main">
                 <a:effectLst>
                   <a:outerShdw dist="35921" dir="2700000" algn="ctr" rotWithShape="0">
                     <a:schemeClr val="bg2"/>
@@ -40481,7 +40631,7 @@
         <a:effectLst/>
         <a:extLst>
           <a:ext uri="{AF507438-7753-43e0-B8FC-AC1667EBCBE1}">
-            <a14:hiddenEffects xmlns:a14="http://schemas.microsoft.com/office/drawing/2010/main" xmlns="">
+            <a14:hiddenEffects xmlns="" xmlns:a14="http://schemas.microsoft.com/office/drawing/2010/main">
               <a:effectLst>
                 <a:outerShdw dist="35921" dir="2700000" algn="ctr" rotWithShape="0">
                   <a:schemeClr val="bg2"/>
@@ -40555,7 +40705,7 @@
         <a:effectLst/>
         <a:extLst>
           <a:ext uri="{AF507438-7753-43e0-B8FC-AC1667EBCBE1}">
-            <a14:hiddenEffects xmlns:a14="http://schemas.microsoft.com/office/drawing/2010/main" xmlns="">
+            <a14:hiddenEffects xmlns="" xmlns:a14="http://schemas.microsoft.com/office/drawing/2010/main">
               <a:effectLst>
                 <a:outerShdw dist="35921" dir="2700000" algn="ctr" rotWithShape="0">
                   <a:schemeClr val="bg2"/>
